--- a/项目周汇报-11组-第二次.pptx
+++ b/项目周汇报-11组-第二次.pptx
@@ -28812,17 +28812,20 @@
           </p:cNvPr>
           <p:cNvCxnSpPr>
             <a:cxnSpLocks/>
+            <a:stCxn id="14" idx="0"/>
             <a:endCxn id="68" idx="2"/>
           </p:cNvCxnSpPr>
           <p:nvPr/>
         </p:nvCxnSpPr>
         <p:spPr>
-          <a:xfrm flipV="1">
-            <a:off x="3112719" y="4083185"/>
-            <a:ext cx="4185667" cy="767488"/>
+          <a:xfrm rot="5400000" flipH="1" flipV="1">
+            <a:off x="4791994" y="2379885"/>
+            <a:ext cx="803091" cy="4209693"/>
           </a:xfrm>
-          <a:prstGeom prst="curvedConnector2">
-            <a:avLst/>
+          <a:prstGeom prst="curvedConnector3">
+            <a:avLst>
+              <a:gd name="adj1" fmla="val 50000"/>
+            </a:avLst>
           </a:prstGeom>
           <a:ln>
             <a:solidFill>
@@ -32867,9 +32870,8 @@
                 <a:r>
                   <a:rPr kumimoji="1" lang="zh-CN" altLang="en-US" sz="1600" dirty="0">
                     <a:solidFill>
-                      <a:schemeClr val="tx1">
+                      <a:schemeClr val="accent4">
                         <a:lumMod val="50000"/>
-                        <a:lumOff val="50000"/>
                       </a:schemeClr>
                     </a:solidFill>
                     <a:latin typeface="Microsoft YaHei Light" panose="020B0503020204020204" pitchFamily="34" charset="-122"/>
@@ -32879,9 +32881,8 @@
                 </a:r>
                 <a:endParaRPr kumimoji="1" lang="en-US" altLang="zh-CN" sz="1600" dirty="0">
                   <a:solidFill>
-                    <a:schemeClr val="tx1">
+                    <a:schemeClr val="accent4">
                       <a:lumMod val="50000"/>
-                      <a:lumOff val="50000"/>
                     </a:schemeClr>
                   </a:solidFill>
                   <a:latin typeface="Microsoft YaHei Light" panose="020B0503020204020204" pitchFamily="34" charset="-122"/>
@@ -33616,6 +33617,14 @@
             <a:pPr lvl="1"/>
             <a:r>
               <a:rPr kumimoji="1" lang="zh-CN" altLang="en-US" dirty="0"/>
+              <a:t>文档格式建议，希望老师给一下</a:t>
+            </a:r>
+            <a:endParaRPr kumimoji="1" lang="en-US" altLang="zh-CN" dirty="0"/>
+          </a:p>
+          <a:p>
+            <a:pPr lvl="1"/>
+            <a:r>
+              <a:rPr kumimoji="1" lang="zh-CN" altLang="en-US" dirty="0"/>
               <a:t>需要进一步了解技术</a:t>
             </a:r>
             <a:r>
@@ -33624,7 +33633,7 @@
             </a:r>
             <a:r>
               <a:rPr kumimoji="1" lang="zh-CN" altLang="en-US" dirty="0"/>
-              <a:t>产出</a:t>
+              <a:t>产出，可能还是需要基于输入的数据内容</a:t>
             </a:r>
             <a:endParaRPr kumimoji="1" lang="en-US" altLang="zh-CN" dirty="0"/>
           </a:p>
@@ -33636,7 +33645,19 @@
             </a:r>
             <a:r>
               <a:rPr kumimoji="1" lang="zh-CN" altLang="en-US" dirty="0"/>
-              <a:t>预警内容</a:t>
+              <a:t>预警产出</a:t>
+            </a:r>
+            <a:endParaRPr kumimoji="1" lang="en-US" altLang="zh-CN" dirty="0"/>
+          </a:p>
+          <a:p>
+            <a:pPr lvl="2"/>
+            <a:r>
+              <a:rPr kumimoji="1" lang="en-US" altLang="zh-CN" dirty="0"/>
+              <a:t>2.</a:t>
+            </a:r>
+            <a:r>
+              <a:rPr kumimoji="1" lang="zh-CN" altLang="en-US"/>
+              <a:t>数据计算等</a:t>
             </a:r>
             <a:endParaRPr kumimoji="1" lang="en-US" altLang="zh-CN" dirty="0"/>
           </a:p>
